--- a/Presentation.pptx
+++ b/Presentation.pptx
@@ -152,12 +152,13 @@
 <file path=ppt/revisionInfo.xml><?xml version="1.0" encoding="utf-8"?>
 <p1510:revInfo xmlns:a="http://schemas.openxmlformats.org/drawingml/2006/main" xmlns:r="http://schemas.openxmlformats.org/officeDocument/2006/relationships" xmlns:p1510="http://schemas.microsoft.com/office/powerpoint/2015/10/main">
   <p1510:revLst>
-    <p1510:client id="{20F0C7A0-57E5-E13A-6BDF-F26688B971F9}" v="124" dt="2024-10-28T07:47:24.112"/>
+    <p1510:client id="{20F0C7A0-57E5-E13A-6BDF-F26688B971F9}" v="130" dt="2024-10-28T08:14:48.870"/>
     <p1510:client id="{2CFEDBD3-5FCD-12E7-3971-D3E6A22B8E85}" v="41" dt="2024-10-26T16:33:13.207"/>
     <p1510:client id="{74211D8B-7E70-5238-0104-04052CFE4006}" v="358" dt="2024-10-27T11:31:21.121"/>
     <p1510:client id="{98ED1A8A-0737-F5D0-5303-82E2C5764EA0}" v="44" dt="2024-10-27T13:59:40.911"/>
     <p1510:client id="{D29B3C0A-F960-6CAE-7883-3EB3B825DBEC}" v="813" dt="2024-10-27T10:32:34.063"/>
     <p1510:client id="{D29DBBDD-4D5C-47A0-F64D-5DC09F4F86BB}" v="480" dt="2024-10-27T13:51:25.076"/>
+    <p1510:client id="{D863F429-6599-6335-1C6C-538CBA97586A}" v="15" dt="2024-10-28T14:47:08.378"/>
     <p1510:client id="{DF610C77-5878-FAC4-6C50-72CB0E457206}" v="92" dt="2024-10-27T11:20:20.156"/>
   </p1510:revLst>
 </p1510:revInfo>
@@ -7032,7 +7033,7 @@
             <a:pPr marL="0" indent="0">
               <a:buNone/>
             </a:pPr>
-            <a:endParaRPr lang="de-DE" sz="1800" b="1"/>
+            <a:endParaRPr lang="de-DE" sz="1800" b="1" dirty="0"/>
           </a:p>
           <a:p>
             <a:pPr marL="383540" indent="-383540">
@@ -7041,16 +7042,6 @@
             </a:pPr>
             <a:r>
               <a:rPr lang="en-US" sz="1800" dirty="0"/>
-              <a:t>Train-test split: 41 vs. 10 scans</a:t>
-            </a:r>
-          </a:p>
-          <a:p>
-            <a:pPr marL="383540" indent="-383540">
-              <a:buFont typeface="Arial" panose="020B0503020102020204" pitchFamily="34" charset="0"/>
-              <a:buChar char="•"/>
-            </a:pPr>
-            <a:r>
-              <a:rPr lang="en-US" sz="1800" dirty="0"/>
               <a:t>Brain extraction (</a:t>
             </a:r>
             <a:r>
@@ -7061,6 +7052,7 @@
               <a:rPr lang="en-US" sz="1800" dirty="0"/>
               <a:t>)</a:t>
             </a:r>
+            <a:endParaRPr lang="en-US" dirty="0"/>
           </a:p>
           <a:p>
             <a:pPr marL="383540" indent="-383540">
@@ -7196,8 +7188,8 @@
         </p:nvSpPr>
         <p:spPr>
           <a:xfrm>
-            <a:off x="6794995" y="5327596"/>
-            <a:ext cx="3979914" cy="584775"/>
+            <a:off x="6880187" y="5327596"/>
+            <a:ext cx="4036708" cy="584775"/>
           </a:xfrm>
           <a:prstGeom prst="rect">
             <a:avLst/>
@@ -7215,7 +7207,7 @@
           <a:p>
             <a:pPr algn="ctr"/>
             <a:r>
-              <a:rPr lang="en-US" sz="1600" i="1" dirty="0">
+              <a:rPr lang="en-US" sz="1600" i="1">
                 <a:solidFill>
                   <a:srgbClr val="EFEDE3"/>
                 </a:solidFill>
@@ -7223,21 +7215,21 @@
               <a:t>Figure 5. Top: Brain extraction, </a:t>
             </a:r>
             <a:br>
-              <a:rPr lang="en-US" sz="1600" i="1" dirty="0">
+              <a:rPr lang="en-US" sz="1600" i="1">
                 <a:solidFill>
                   <a:srgbClr val="EFEDE3"/>
                 </a:solidFill>
               </a:rPr>
             </a:br>
             <a:r>
-              <a:rPr lang="en-US" sz="1600" i="1" dirty="0">
+              <a:rPr lang="en-US" sz="1600" i="1">
                 <a:solidFill>
                   <a:srgbClr val="EFEDE3"/>
                 </a:solidFill>
               </a:rPr>
               <a:t>Bottom: Augmented slice-mask pairs</a:t>
             </a:r>
-            <a:endParaRPr lang="de-DE" dirty="0">
+            <a:endParaRPr lang="de-DE">
               <a:solidFill>
                 <a:srgbClr val="EFEDE3"/>
               </a:solidFill>
@@ -8184,27 +8176,9 @@
               <a:buChar char="•"/>
             </a:pPr>
             <a:r>
-              <a:rPr lang="en-US" sz="1800"/>
-              <a:t>Dice coefficient:</a:t>
-            </a:r>
-            <a:r>
-              <a:rPr lang="en-US" sz="1800">
-                <a:ea typeface="+mn-lt"/>
-                <a:cs typeface="+mn-lt"/>
-              </a:rPr>
-              <a:t> better for imbalanced segmentation than </a:t>
-            </a:r>
-            <a:r>
-              <a:rPr lang="en-US" sz="1800" err="1">
-                <a:ea typeface="+mn-lt"/>
-                <a:cs typeface="+mn-lt"/>
-              </a:rPr>
-              <a:t>IoU</a:t>
-            </a:r>
-            <a:endParaRPr lang="en-US" sz="1800" i="0">
-              <a:ea typeface="+mn-lt"/>
-              <a:cs typeface="+mn-lt"/>
-            </a:endParaRPr>
+              <a:rPr lang="en-US" sz="1800" dirty="0"/>
+              <a:t>Train-test split: 41 vs. 10 scans</a:t>
+            </a:r>
           </a:p>
           <a:p>
             <a:pPr marL="383540" indent="-383540">
@@ -8212,26 +8186,27 @@
               <a:buChar char="•"/>
             </a:pPr>
             <a:r>
-              <a:rPr lang="en-US" sz="1800">
+              <a:rPr lang="en-US" sz="1800" dirty="0"/>
+              <a:t>Dice coefficient:</a:t>
+            </a:r>
+            <a:r>
+              <a:rPr lang="en-US" sz="1800" dirty="0">
                 <a:ea typeface="+mn-lt"/>
                 <a:cs typeface="+mn-lt"/>
               </a:rPr>
-              <a:t>Combined loss: dice and </a:t>
-            </a:r>
-            <a:r>
-              <a:rPr lang="en-US" sz="1800" err="1">
+              <a:t> better for imbalanced segmentation than </a:t>
+            </a:r>
+            <a:r>
+              <a:rPr lang="en-US" sz="1800" dirty="0" err="1">
                 <a:ea typeface="+mn-lt"/>
                 <a:cs typeface="+mn-lt"/>
               </a:rPr>
-              <a:t>crossentropy</a:t>
-            </a:r>
-            <a:r>
-              <a:rPr lang="en-US" sz="1800">
-                <a:ea typeface="+mn-lt"/>
-                <a:cs typeface="+mn-lt"/>
-              </a:rPr>
-              <a:t> loss</a:t>
-            </a:r>
+              <a:t>IoU</a:t>
+            </a:r>
+            <a:endParaRPr lang="en-US" sz="1800" i="0" dirty="0">
+              <a:ea typeface="+mn-lt"/>
+              <a:cs typeface="+mn-lt"/>
+            </a:endParaRPr>
           </a:p>
           <a:p>
             <a:pPr marL="383540" indent="-383540">
@@ -8239,7 +8214,34 @@
               <a:buChar char="•"/>
             </a:pPr>
             <a:r>
-              <a:rPr lang="en-US" sz="1800">
+              <a:rPr lang="en-US" sz="1800" dirty="0">
+                <a:ea typeface="+mn-lt"/>
+                <a:cs typeface="+mn-lt"/>
+              </a:rPr>
+              <a:t>Combined loss: dice and </a:t>
+            </a:r>
+            <a:r>
+              <a:rPr lang="en-US" sz="1800" dirty="0" err="1">
+                <a:ea typeface="+mn-lt"/>
+                <a:cs typeface="+mn-lt"/>
+              </a:rPr>
+              <a:t>crossentropy</a:t>
+            </a:r>
+            <a:r>
+              <a:rPr lang="en-US" sz="1800" dirty="0">
+                <a:ea typeface="+mn-lt"/>
+                <a:cs typeface="+mn-lt"/>
+              </a:rPr>
+              <a:t> loss</a:t>
+            </a:r>
+          </a:p>
+          <a:p>
+            <a:pPr marL="383540" indent="-383540">
+              <a:buFont typeface="Arial" panose="020B0503020102020204" pitchFamily="34" charset="0"/>
+              <a:buChar char="•"/>
+            </a:pPr>
+            <a:r>
+              <a:rPr lang="en-US" sz="1800" dirty="0">
                 <a:ea typeface="+mn-lt"/>
                 <a:cs typeface="+mn-lt"/>
               </a:rPr>
@@ -8252,14 +8254,14 @@
               <a:buChar char="•"/>
             </a:pPr>
             <a:r>
-              <a:rPr lang="en-US" sz="1800" i="0">
+              <a:rPr lang="en-US" sz="1800" i="0" dirty="0">
                 <a:ea typeface="+mn-lt"/>
                 <a:cs typeface="+mn-lt"/>
               </a:rPr>
               <a:t>Decreasing</a:t>
             </a:r>
             <a:r>
-              <a:rPr lang="en-US" sz="1800" i="0"/>
+              <a:rPr lang="en-US" sz="1800" i="0" dirty="0"/>
               <a:t> learning rate</a:t>
             </a:r>
           </a:p>
@@ -8269,11 +8271,11 @@
               <a:buChar char="•"/>
             </a:pPr>
             <a:r>
-              <a:rPr lang="en-US" sz="1800" i="0"/>
+              <a:rPr lang="en-US" sz="1800" i="0" dirty="0"/>
               <a:t>L2</a:t>
             </a:r>
             <a:r>
-              <a:rPr lang="en-US" sz="1800" i="0">
+              <a:rPr lang="en-US" sz="1800" i="0" dirty="0">
                 <a:solidFill>
                   <a:srgbClr val="EFEDE3"/>
                 </a:solidFill>
@@ -8282,7 +8284,7 @@
               </a:rPr>
               <a:t> regularization </a:t>
             </a:r>
-            <a:endParaRPr lang="en-US" sz="1800"/>
+            <a:endParaRPr lang="en-US" sz="1800" dirty="0"/>
           </a:p>
           <a:p>
             <a:pPr lvl="1" indent="-383540">
@@ -8290,7 +8292,7 @@
               <a:buChar char="•"/>
             </a:pPr>
             <a:r>
-              <a:rPr lang="en-US" sz="1800" i="0">
+              <a:rPr lang="en-US" sz="1800" i="0" dirty="0">
                 <a:solidFill>
                   <a:srgbClr val="EFEDE3"/>
                 </a:solidFill>
@@ -8306,7 +8308,7 @@
               <a:buChar char="•"/>
             </a:pPr>
             <a:r>
-              <a:rPr lang="en-US" sz="1800" i="0">
+              <a:rPr lang="en-US" sz="1800" i="0" dirty="0">
                 <a:solidFill>
                   <a:srgbClr val="EFEDE3"/>
                 </a:solidFill>
@@ -8322,7 +8324,7 @@
               <a:buChar char="•"/>
             </a:pPr>
             <a:r>
-              <a:rPr lang="en-US" sz="1800" i="0">
+              <a:rPr lang="en-US" sz="1800" i="0" dirty="0">
                 <a:solidFill>
                   <a:srgbClr val="EFEDE3"/>
                 </a:solidFill>
@@ -8331,7 +8333,7 @@
               </a:rPr>
               <a:t>Layer freezing</a:t>
             </a:r>
-            <a:endParaRPr lang="en-US" sz="1800" i="0"/>
+            <a:endParaRPr lang="en-US" sz="1800" i="0" dirty="0"/>
           </a:p>
           <a:p>
             <a:pPr marL="383540" indent="-383540">
@@ -8339,18 +8341,8 @@
               <a:buChar char="•"/>
             </a:pPr>
             <a:r>
-              <a:rPr lang="en-US" sz="1800"/>
+              <a:rPr lang="en-US" sz="1800" dirty="0"/>
               <a:t>Early stopping</a:t>
-            </a:r>
-          </a:p>
-          <a:p>
-            <a:pPr marL="383540" indent="-383540">
-              <a:buFont typeface="Arial" panose="020B0503020102020204" pitchFamily="34" charset="0"/>
-              <a:buChar char="•"/>
-            </a:pPr>
-            <a:r>
-              <a:rPr lang="en-US" sz="1800"/>
-              <a:t>Use best model</a:t>
             </a:r>
           </a:p>
           <a:p>
@@ -15139,7 +15131,7 @@
           <a:lstStyle/>
           <a:p>
             <a:r>
-              <a:rPr lang="en-US" sz="1200" dirty="0"/>
+              <a:rPr lang="en-US" sz="1200"/>
               <a:t>Code on </a:t>
             </a:r>
             <a:r>
@@ -15147,17 +15139,17 @@
               <a:t>Github</a:t>
             </a:r>
             <a:r>
-              <a:rPr lang="en-US" sz="1200" dirty="0"/>
+              <a:rPr lang="en-US" sz="1200"/>
               <a:t>: </a:t>
             </a:r>
             <a:r>
-              <a:rPr lang="en-US" sz="1200" dirty="0">
+              <a:rPr lang="en-US" sz="1200">
                 <a:ea typeface="+mn-lt"/>
                 <a:cs typeface="+mn-lt"/>
               </a:rPr>
               <a:t>https://github.com/rportm/cv_hslu_24</a:t>
             </a:r>
-            <a:endParaRPr lang="en-US" sz="1200" dirty="0"/>
+            <a:endParaRPr lang="en-US" sz="1200"/>
           </a:p>
         </p:txBody>
       </p:sp>
